--- a/Prezentation/Prezentation.pptx
+++ b/Prezentation/Prezentation.pptx
@@ -112,6 +112,11 @@
       </a:defRPr>
     </a:lvl9pPr>
   </p:defaultTextStyle>
+  <p:extLst>
+    <p:ext uri="{EFAFB233-063F-42B5-8137-9DF3F51BA10A}">
+      <p15:sldGuideLst xmlns:p15="http://schemas.microsoft.com/office/powerpoint/2012/main"/>
+    </p:ext>
+  </p:extLst>
 </p:presentation>
 </file>
 
@@ -291,7 +296,7 @@
           <a:p>
             <a:fld id="{2DE8691E-F083-4956-84F8-CB3A30BCCD71}" type="datetimeFigureOut">
               <a:rPr lang="en-US" smtClean="0"/>
-              <a:t>6/29/2024</a:t>
+              <a:t>7/3/2024</a:t>
             </a:fld>
             <a:endParaRPr lang="en-US"/>
           </a:p>
@@ -461,7 +466,7 @@
           <a:p>
             <a:fld id="{2DE8691E-F083-4956-84F8-CB3A30BCCD71}" type="datetimeFigureOut">
               <a:rPr lang="en-US" smtClean="0"/>
-              <a:t>6/29/2024</a:t>
+              <a:t>7/3/2024</a:t>
             </a:fld>
             <a:endParaRPr lang="en-US"/>
           </a:p>
@@ -684,7 +689,7 @@
           <a:p>
             <a:fld id="{2DE8691E-F083-4956-84F8-CB3A30BCCD71}" type="datetimeFigureOut">
               <a:rPr lang="en-US" smtClean="0"/>
-              <a:t>6/29/2024</a:t>
+              <a:t>7/3/2024</a:t>
             </a:fld>
             <a:endParaRPr lang="en-US"/>
           </a:p>
@@ -864,7 +869,7 @@
           <a:p>
             <a:fld id="{2DE8691E-F083-4956-84F8-CB3A30BCCD71}" type="datetimeFigureOut">
               <a:rPr lang="en-US" smtClean="0"/>
-              <a:t>6/29/2024</a:t>
+              <a:t>7/3/2024</a:t>
             </a:fld>
             <a:endParaRPr lang="en-US"/>
           </a:p>
@@ -1170,7 +1175,7 @@
           <a:p>
             <a:fld id="{2DE8691E-F083-4956-84F8-CB3A30BCCD71}" type="datetimeFigureOut">
               <a:rPr lang="en-US" smtClean="0"/>
-              <a:t>6/29/2024</a:t>
+              <a:t>7/3/2024</a:t>
             </a:fld>
             <a:endParaRPr lang="en-US"/>
           </a:p>
@@ -1474,7 +1479,7 @@
           <a:p>
             <a:fld id="{2DE8691E-F083-4956-84F8-CB3A30BCCD71}" type="datetimeFigureOut">
               <a:rPr lang="en-US" smtClean="0"/>
-              <a:t>6/29/2024</a:t>
+              <a:t>7/3/2024</a:t>
             </a:fld>
             <a:endParaRPr lang="en-US"/>
           </a:p>
@@ -1896,7 +1901,7 @@
           <a:p>
             <a:fld id="{2DE8691E-F083-4956-84F8-CB3A30BCCD71}" type="datetimeFigureOut">
               <a:rPr lang="en-US" smtClean="0"/>
-              <a:t>6/29/2024</a:t>
+              <a:t>7/3/2024</a:t>
             </a:fld>
             <a:endParaRPr lang="en-US"/>
           </a:p>
@@ -2014,7 +2019,7 @@
           <a:p>
             <a:fld id="{2DE8691E-F083-4956-84F8-CB3A30BCCD71}" type="datetimeFigureOut">
               <a:rPr lang="en-US" smtClean="0"/>
-              <a:t>6/29/2024</a:t>
+              <a:t>7/3/2024</a:t>
             </a:fld>
             <a:endParaRPr lang="en-US"/>
           </a:p>
@@ -2109,7 +2114,7 @@
           <a:p>
             <a:fld id="{2DE8691E-F083-4956-84F8-CB3A30BCCD71}" type="datetimeFigureOut">
               <a:rPr lang="en-US" smtClean="0"/>
-              <a:t>6/29/2024</a:t>
+              <a:t>7/3/2024</a:t>
             </a:fld>
             <a:endParaRPr lang="en-US"/>
           </a:p>
@@ -2382,7 +2387,7 @@
           <a:p>
             <a:fld id="{2DE8691E-F083-4956-84F8-CB3A30BCCD71}" type="datetimeFigureOut">
               <a:rPr lang="en-US" smtClean="0"/>
-              <a:t>6/29/2024</a:t>
+              <a:t>7/3/2024</a:t>
             </a:fld>
             <a:endParaRPr lang="en-US"/>
           </a:p>
@@ -2647,7 +2652,7 @@
           <a:p>
             <a:fld id="{2DE8691E-F083-4956-84F8-CB3A30BCCD71}" type="datetimeFigureOut">
               <a:rPr lang="en-US" smtClean="0"/>
-              <a:t>6/29/2024</a:t>
+              <a:t>7/3/2024</a:t>
             </a:fld>
             <a:endParaRPr lang="en-US"/>
           </a:p>
@@ -2896,7 +2901,7 @@
           <a:p>
             <a:fld id="{2DE8691E-F083-4956-84F8-CB3A30BCCD71}" type="datetimeFigureOut">
               <a:rPr lang="en-US" smtClean="0"/>
-              <a:t>6/29/2024</a:t>
+              <a:t>7/3/2024</a:t>
             </a:fld>
             <a:endParaRPr lang="en-US"/>
           </a:p>
@@ -3795,7 +3800,7 @@
                   <a:schemeClr val="bg2"/>
                 </a:solidFill>
               </a:rPr>
-              <a:t>By Dumitrescu Cristian </a:t>
+              <a:t>By Dumitrescu Cristian-</a:t>
             </a:r>
             <a:r>
               <a:rPr lang="en-US" dirty="0" err="1">
@@ -3823,13 +3828,13 @@
   <p:clrMapOvr>
     <a:masterClrMapping/>
   </p:clrMapOvr>
-  <mc:AlternateContent xmlns:mc="http://schemas.openxmlformats.org/markup-compatibility/2006">
-    <mc:Choice xmlns:p14="http://schemas.microsoft.com/office/powerpoint/2010/main" Requires="p14">
+  <mc:AlternateContent xmlns:mc="http://schemas.openxmlformats.org/markup-compatibility/2006" xmlns:p14="http://schemas.microsoft.com/office/powerpoint/2010/main">
+    <mc:Choice Requires="p14">
       <p:transition spd="slow" p14:dur="800">
         <p:circle/>
       </p:transition>
     </mc:Choice>
-    <mc:Fallback>
+    <mc:Fallback xmlns="">
       <p:transition spd="slow">
         <p:circle/>
       </p:transition>
@@ -3970,7 +3975,7 @@
           <a:p>
             <a:r>
               <a:rPr lang="en-US" dirty="0"/>
-              <a:t>Motivation</a:t>
+              <a:t>Contents</a:t>
             </a:r>
           </a:p>
         </p:txBody>
@@ -3996,7 +4001,30 @@
           <a:bodyPr/>
           <a:lstStyle/>
           <a:p>
-            <a:endParaRPr lang="en-US"/>
+            <a:r>
+              <a:rPr lang="en-US" dirty="0"/>
+              <a:t>Literature review of papers that tackle the subject. Not only general papers but also more specific and technical ones.</a:t>
+            </a:r>
+          </a:p>
+          <a:p>
+            <a:r>
+              <a:rPr lang="en-US" dirty="0"/>
+              <a:t>Study with questionnaire that reveals that although everyday people trust financial institutions, the developers that can work within their sphere of influence may put them at risk.</a:t>
+            </a:r>
+          </a:p>
+          <a:p>
+            <a:r>
+              <a:rPr lang="en-US" dirty="0"/>
+              <a:t>An application that can be used as an internal training method to avoid problems caused by security </a:t>
+            </a:r>
+            <a:r>
+              <a:rPr lang="en-US" dirty="0" err="1"/>
+              <a:t>negletfull</a:t>
+            </a:r>
+            <a:r>
+              <a:rPr lang="en-US" dirty="0"/>
+              <a:t> developers.</a:t>
+            </a:r>
           </a:p>
         </p:txBody>
       </p:sp>
@@ -4082,7 +4110,49 @@
           <a:bodyPr/>
           <a:lstStyle/>
           <a:p>
-            <a:endParaRPr lang="en-US"/>
+            <a:r>
+              <a:rPr lang="en-US" dirty="0"/>
+              <a:t>In the literature review, there have been works that prove that:</a:t>
+            </a:r>
+          </a:p>
+          <a:p>
+            <a:pPr>
+              <a:buFontTx/>
+              <a:buChar char="-"/>
+            </a:pPr>
+            <a:r>
+              <a:rPr lang="en-US" dirty="0"/>
+              <a:t>Physical security</a:t>
+            </a:r>
+          </a:p>
+          <a:p>
+            <a:pPr>
+              <a:buFontTx/>
+              <a:buChar char="-"/>
+            </a:pPr>
+            <a:r>
+              <a:rPr lang="en-US" dirty="0"/>
+              <a:t>Network security</a:t>
+            </a:r>
+          </a:p>
+          <a:p>
+            <a:pPr>
+              <a:buFontTx/>
+              <a:buChar char="-"/>
+            </a:pPr>
+            <a:r>
+              <a:rPr lang="en-US" dirty="0"/>
+              <a:t>Client application security</a:t>
+            </a:r>
+          </a:p>
+          <a:p>
+            <a:pPr marL="0" indent="0">
+              <a:buNone/>
+            </a:pPr>
+            <a:r>
+              <a:rPr lang="en-US" dirty="0"/>
+              <a:t>are no taken lightly when it comes to financial institutions.</a:t>
+            </a:r>
           </a:p>
         </p:txBody>
       </p:sp>
@@ -4096,6 +4166,9 @@
   <p:clrMapOvr>
     <a:masterClrMapping/>
   </p:clrMapOvr>
+  <p:transition spd="med">
+    <p:pull/>
+  </p:transition>
 </p:sld>
 </file>
 
@@ -5539,7 +5612,7 @@
         </p:blipFill>
         <p:spPr>
           <a:xfrm>
-            <a:off x="626008" y="4843401"/>
+            <a:off x="628088" y="4999251"/>
             <a:ext cx="2962456" cy="1019340"/>
           </a:xfrm>
           <a:prstGeom prst="rect">
@@ -5569,7 +5642,7 @@
         </p:blipFill>
         <p:spPr>
           <a:xfrm>
-            <a:off x="4612688" y="4843401"/>
+            <a:off x="4613728" y="4963406"/>
             <a:ext cx="2962457" cy="1019339"/>
           </a:xfrm>
           <a:prstGeom prst="rect">
@@ -5600,7 +5673,7 @@
         <p:spPr>
           <a:xfrm>
             <a:off x="8599369" y="4772685"/>
-            <a:ext cx="2962457" cy="1019339"/>
+            <a:ext cx="2962457" cy="1472472"/>
           </a:xfrm>
           <a:prstGeom prst="rect">
             <a:avLst/>
@@ -5656,13 +5729,20 @@
             <p:ph type="title"/>
           </p:nvPr>
         </p:nvSpPr>
-        <p:spPr/>
-        <p:txBody>
-          <a:bodyPr/>
-          <a:lstStyle/>
-          <a:p>
-            <a:r>
-              <a:rPr lang="en-US" dirty="0"/>
+        <p:spPr>
+          <a:xfrm>
+            <a:off x="582707" y="284176"/>
+            <a:ext cx="11177364" cy="1508760"/>
+          </a:xfrm>
+        </p:spPr>
+        <p:txBody>
+          <a:bodyPr>
+            <a:normAutofit/>
+          </a:bodyPr>
+          <a:lstStyle/>
+          <a:p>
+            <a:r>
+              <a:rPr lang="en-US" sz="3600" dirty="0"/>
               <a:t>Application implementation and improvements</a:t>
             </a:r>
           </a:p>
@@ -5670,26 +5750,235 @@
       </p:sp>
       <p:sp>
         <p:nvSpPr>
-          <p:cNvPr id="3" name="Content Placeholder 2">
+          <p:cNvPr id="4" name="TextBox 3">
             <a:extLst>
               <a:ext uri="{FF2B5EF4-FFF2-40B4-BE49-F238E27FC236}">
-                <a16:creationId xmlns:a16="http://schemas.microsoft.com/office/drawing/2014/main" id="{EABCEFA6-B122-6FE1-049F-A12B6384AB7B}"/>
+                <a16:creationId xmlns:a16="http://schemas.microsoft.com/office/drawing/2014/main" id="{F9FBA48D-E931-DAFA-FFE4-CBE467423287}"/>
               </a:ext>
             </a:extLst>
           </p:cNvPr>
-          <p:cNvSpPr>
-            <a:spLocks noGrp="1"/>
-          </p:cNvSpPr>
-          <p:nvPr>
-            <p:ph idx="1"/>
-          </p:nvPr>
-        </p:nvSpPr>
-        <p:spPr/>
-        <p:txBody>
-          <a:bodyPr/>
-          <a:lstStyle/>
-          <a:p>
-            <a:endParaRPr lang="en-US" dirty="0"/>
+          <p:cNvSpPr txBox="1"/>
+          <p:nvPr/>
+        </p:nvSpPr>
+        <p:spPr>
+          <a:xfrm>
+            <a:off x="1202919" y="1959166"/>
+            <a:ext cx="3927756" cy="646331"/>
+          </a:xfrm>
+          <a:prstGeom prst="rect">
+            <a:avLst/>
+          </a:prstGeom>
+          <a:noFill/>
+        </p:spPr>
+        <p:txBody>
+          <a:bodyPr wrap="square" rtlCol="0">
+            <a:spAutoFit/>
+          </a:bodyPr>
+          <a:lstStyle/>
+          <a:p>
+            <a:r>
+              <a:rPr lang="en-US" sz="3600" dirty="0"/>
+              <a:t>WHAT IT DELIVERS</a:t>
+            </a:r>
+          </a:p>
+        </p:txBody>
+      </p:sp>
+      <p:cxnSp>
+        <p:nvCxnSpPr>
+          <p:cNvPr id="7" name="Straight Connector 6">
+            <a:extLst>
+              <a:ext uri="{FF2B5EF4-FFF2-40B4-BE49-F238E27FC236}">
+                <a16:creationId xmlns:a16="http://schemas.microsoft.com/office/drawing/2014/main" id="{FDA1C07E-5B68-B381-EBB8-55E08D0C127A}"/>
+              </a:ext>
+            </a:extLst>
+          </p:cNvPr>
+          <p:cNvCxnSpPr>
+            <a:cxnSpLocks/>
+          </p:cNvCxnSpPr>
+          <p:nvPr/>
+        </p:nvCxnSpPr>
+        <p:spPr>
+          <a:xfrm flipV="1">
+            <a:off x="6020612" y="1792936"/>
+            <a:ext cx="0" cy="5065064"/>
+          </a:xfrm>
+          <a:prstGeom prst="line">
+            <a:avLst/>
+          </a:prstGeom>
+          <a:ln>
+            <a:solidFill>
+              <a:srgbClr val="FFFFFF"/>
+            </a:solidFill>
+          </a:ln>
+        </p:spPr>
+        <p:style>
+          <a:lnRef idx="1">
+            <a:schemeClr val="accent1"/>
+          </a:lnRef>
+          <a:fillRef idx="0">
+            <a:schemeClr val="accent1"/>
+          </a:fillRef>
+          <a:effectRef idx="0">
+            <a:schemeClr val="accent1"/>
+          </a:effectRef>
+          <a:fontRef idx="minor">
+            <a:schemeClr val="tx1"/>
+          </a:fontRef>
+        </p:style>
+      </p:cxnSp>
+      <p:sp>
+        <p:nvSpPr>
+          <p:cNvPr id="13" name="TextBox 12">
+            <a:extLst>
+              <a:ext uri="{FF2B5EF4-FFF2-40B4-BE49-F238E27FC236}">
+                <a16:creationId xmlns:a16="http://schemas.microsoft.com/office/drawing/2014/main" id="{95577B4E-0CA3-22BF-28BD-771AC33ECBB3}"/>
+              </a:ext>
+            </a:extLst>
+          </p:cNvPr>
+          <p:cNvSpPr txBox="1"/>
+          <p:nvPr/>
+        </p:nvSpPr>
+        <p:spPr>
+          <a:xfrm>
+            <a:off x="6345774" y="1959166"/>
+            <a:ext cx="5688117" cy="646331"/>
+          </a:xfrm>
+          <a:prstGeom prst="rect">
+            <a:avLst/>
+          </a:prstGeom>
+          <a:noFill/>
+        </p:spPr>
+        <p:txBody>
+          <a:bodyPr wrap="square" rtlCol="0">
+            <a:spAutoFit/>
+          </a:bodyPr>
+          <a:lstStyle/>
+          <a:p>
+            <a:r>
+              <a:rPr lang="en-US" sz="3600" dirty="0"/>
+              <a:t>POSSIBLE IMPROVEMENTS</a:t>
+            </a:r>
+          </a:p>
+        </p:txBody>
+      </p:sp>
+      <p:sp>
+        <p:nvSpPr>
+          <p:cNvPr id="14" name="TextBox 13">
+            <a:extLst>
+              <a:ext uri="{FF2B5EF4-FFF2-40B4-BE49-F238E27FC236}">
+                <a16:creationId xmlns:a16="http://schemas.microsoft.com/office/drawing/2014/main" id="{0651D259-C31E-3A8E-942C-95771DFE0768}"/>
+              </a:ext>
+            </a:extLst>
+          </p:cNvPr>
+          <p:cNvSpPr txBox="1"/>
+          <p:nvPr/>
+        </p:nvSpPr>
+        <p:spPr>
+          <a:xfrm>
+            <a:off x="6882108" y="2771727"/>
+            <a:ext cx="4615448" cy="3416320"/>
+          </a:xfrm>
+          <a:prstGeom prst="rect">
+            <a:avLst/>
+          </a:prstGeom>
+          <a:noFill/>
+        </p:spPr>
+        <p:txBody>
+          <a:bodyPr wrap="square" rtlCol="0">
+            <a:spAutoFit/>
+          </a:bodyPr>
+          <a:lstStyle/>
+          <a:p>
+            <a:r>
+              <a:rPr lang="en-US" sz="2400" dirty="0"/>
+              <a:t>Administration page</a:t>
+            </a:r>
+          </a:p>
+          <a:p>
+            <a:r>
+              <a:rPr lang="en-US" sz="2400" dirty="0"/>
+              <a:t>-for writing more security articles</a:t>
+            </a:r>
+          </a:p>
+          <a:p>
+            <a:r>
+              <a:rPr lang="en-US" sz="2400" dirty="0"/>
+              <a:t>-for managing tags of articles and languages</a:t>
+            </a:r>
+          </a:p>
+          <a:p>
+            <a:endParaRPr lang="en-US" sz="2400" dirty="0"/>
+          </a:p>
+          <a:p>
+            <a:r>
+              <a:rPr lang="en-US" sz="2400" dirty="0"/>
+              <a:t>Secure endpoints:</a:t>
+            </a:r>
+          </a:p>
+          <a:p>
+            <a:r>
+              <a:rPr lang="en-US" sz="2400" dirty="0"/>
+              <a:t>-for commercial use</a:t>
+            </a:r>
+          </a:p>
+          <a:p>
+            <a:r>
+              <a:rPr lang="en-US" sz="2400" dirty="0"/>
+              <a:t>-requires writing code example for each issue that are safe to run</a:t>
+            </a:r>
+          </a:p>
+        </p:txBody>
+      </p:sp>
+      <p:sp>
+        <p:nvSpPr>
+          <p:cNvPr id="16" name="TextBox 15">
+            <a:extLst>
+              <a:ext uri="{FF2B5EF4-FFF2-40B4-BE49-F238E27FC236}">
+                <a16:creationId xmlns:a16="http://schemas.microsoft.com/office/drawing/2014/main" id="{71AB4C3C-37F5-4E4D-B441-EBCC9F16EE36}"/>
+              </a:ext>
+            </a:extLst>
+          </p:cNvPr>
+          <p:cNvSpPr txBox="1"/>
+          <p:nvPr/>
+        </p:nvSpPr>
+        <p:spPr>
+          <a:xfrm>
+            <a:off x="859073" y="2956393"/>
+            <a:ext cx="4615448" cy="3046988"/>
+          </a:xfrm>
+          <a:prstGeom prst="rect">
+            <a:avLst/>
+          </a:prstGeom>
+          <a:noFill/>
+        </p:spPr>
+        <p:txBody>
+          <a:bodyPr wrap="square" rtlCol="0">
+            <a:spAutoFit/>
+          </a:bodyPr>
+          <a:lstStyle/>
+          <a:p>
+            <a:r>
+              <a:rPr lang="en-US" sz="2400" dirty="0"/>
+              <a:t>Programming languages linked to possible security issues by tags</a:t>
+            </a:r>
+          </a:p>
+          <a:p>
+            <a:endParaRPr lang="en-US" sz="2400" dirty="0"/>
+          </a:p>
+          <a:p>
+            <a:r>
+              <a:rPr lang="en-US" sz="2400" dirty="0"/>
+              <a:t>Live examples of insecure vs secure code</a:t>
+            </a:r>
+          </a:p>
+          <a:p>
+            <a:endParaRPr lang="en-US" sz="2400" dirty="0"/>
+          </a:p>
+          <a:p>
+            <a:r>
+              <a:rPr lang="en-US" sz="2400" dirty="0"/>
+              <a:t>Good practices to keep the application secure</a:t>
+            </a:r>
           </a:p>
         </p:txBody>
       </p:sp>
@@ -5703,6 +5992,9 @@
   <p:clrMapOvr>
     <a:masterClrMapping/>
   </p:clrMapOvr>
+  <p:transition spd="med">
+    <p:pull/>
+  </p:transition>
 </p:sld>
 </file>
 
@@ -5725,6 +6017,114 @@
       </p:grpSpPr>
       <p:sp>
         <p:nvSpPr>
+          <p:cNvPr id="4" name="Rectangle 3">
+            <a:extLst>
+              <a:ext uri="{FF2B5EF4-FFF2-40B4-BE49-F238E27FC236}">
+                <a16:creationId xmlns:a16="http://schemas.microsoft.com/office/drawing/2014/main" id="{2774B020-0A60-7629-5DB8-EF198C657DC3}"/>
+              </a:ext>
+            </a:extLst>
+          </p:cNvPr>
+          <p:cNvSpPr/>
+          <p:nvPr/>
+        </p:nvSpPr>
+        <p:spPr>
+          <a:xfrm>
+            <a:off x="0" y="39397"/>
+            <a:ext cx="12192000" cy="2071991"/>
+          </a:xfrm>
+          <a:prstGeom prst="rect">
+            <a:avLst/>
+          </a:prstGeom>
+          <a:solidFill>
+            <a:srgbClr val="099BDD"/>
+          </a:solidFill>
+          <a:ln>
+            <a:solidFill>
+              <a:srgbClr val="099BDD"/>
+            </a:solidFill>
+          </a:ln>
+        </p:spPr>
+        <p:style>
+          <a:lnRef idx="2">
+            <a:schemeClr val="accent1">
+              <a:shade val="15000"/>
+            </a:schemeClr>
+          </a:lnRef>
+          <a:fillRef idx="1">
+            <a:schemeClr val="accent1"/>
+          </a:fillRef>
+          <a:effectRef idx="0">
+            <a:schemeClr val="accent1"/>
+          </a:effectRef>
+          <a:fontRef idx="minor">
+            <a:schemeClr val="lt1"/>
+          </a:fontRef>
+        </p:style>
+        <p:txBody>
+          <a:bodyPr rtlCol="0" anchor="ctr"/>
+          <a:lstStyle/>
+          <a:p>
+            <a:pPr algn="ctr"/>
+            <a:endParaRPr lang="en-US"/>
+          </a:p>
+        </p:txBody>
+      </p:sp>
+      <p:sp>
+        <p:nvSpPr>
+          <p:cNvPr id="5" name="Rectangle 4">
+            <a:extLst>
+              <a:ext uri="{FF2B5EF4-FFF2-40B4-BE49-F238E27FC236}">
+                <a16:creationId xmlns:a16="http://schemas.microsoft.com/office/drawing/2014/main" id="{5CD6134B-C066-5827-0E5B-91D9B493FB92}"/>
+              </a:ext>
+            </a:extLst>
+          </p:cNvPr>
+          <p:cNvSpPr/>
+          <p:nvPr/>
+        </p:nvSpPr>
+        <p:spPr>
+          <a:xfrm>
+            <a:off x="0" y="2393003"/>
+            <a:ext cx="12192000" cy="2071991"/>
+          </a:xfrm>
+          <a:prstGeom prst="rect">
+            <a:avLst/>
+          </a:prstGeom>
+          <a:solidFill>
+            <a:srgbClr val="FFFFFF"/>
+          </a:solidFill>
+          <a:ln>
+            <a:solidFill>
+              <a:srgbClr val="099BDD"/>
+            </a:solidFill>
+          </a:ln>
+        </p:spPr>
+        <p:style>
+          <a:lnRef idx="2">
+            <a:schemeClr val="accent1">
+              <a:shade val="15000"/>
+            </a:schemeClr>
+          </a:lnRef>
+          <a:fillRef idx="1">
+            <a:schemeClr val="accent1"/>
+          </a:fillRef>
+          <a:effectRef idx="0">
+            <a:schemeClr val="accent1"/>
+          </a:effectRef>
+          <a:fontRef idx="minor">
+            <a:schemeClr val="lt1"/>
+          </a:fontRef>
+        </p:style>
+        <p:txBody>
+          <a:bodyPr rtlCol="0" anchor="ctr"/>
+          <a:lstStyle/>
+          <a:p>
+            <a:pPr algn="ctr"/>
+            <a:endParaRPr lang="en-US"/>
+          </a:p>
+        </p:txBody>
+      </p:sp>
+      <p:sp>
+        <p:nvSpPr>
           <p:cNvPr id="2" name="Title 1">
             <a:extLst>
               <a:ext uri="{FF2B5EF4-FFF2-40B4-BE49-F238E27FC236}">
@@ -5739,40 +6139,20 @@
             <p:ph type="title"/>
           </p:nvPr>
         </p:nvSpPr>
-        <p:spPr/>
+        <p:spPr>
+          <a:xfrm>
+            <a:off x="2033567" y="2674618"/>
+            <a:ext cx="8124866" cy="1508760"/>
+          </a:xfrm>
+        </p:spPr>
         <p:txBody>
           <a:bodyPr/>
           <a:lstStyle/>
           <a:p>
             <a:r>
               <a:rPr lang="en-US" dirty="0"/>
-              <a:t>Thank You!</a:t>
-            </a:r>
-          </a:p>
-        </p:txBody>
-      </p:sp>
-      <p:sp>
-        <p:nvSpPr>
-          <p:cNvPr id="3" name="Content Placeholder 2">
-            <a:extLst>
-              <a:ext uri="{FF2B5EF4-FFF2-40B4-BE49-F238E27FC236}">
-                <a16:creationId xmlns:a16="http://schemas.microsoft.com/office/drawing/2014/main" id="{8CD1F1F9-2412-6519-89E0-07F1FA9D19A5}"/>
-              </a:ext>
-            </a:extLst>
-          </p:cNvPr>
-          <p:cNvSpPr>
-            <a:spLocks noGrp="1"/>
-          </p:cNvSpPr>
-          <p:nvPr>
-            <p:ph idx="1"/>
-          </p:nvPr>
-        </p:nvSpPr>
-        <p:spPr/>
-        <p:txBody>
-          <a:bodyPr/>
-          <a:lstStyle/>
-          <a:p>
-            <a:endParaRPr lang="en-US" dirty="0"/>
+              <a:t>Thank You for your attention!</a:t>
+            </a:r>
           </a:p>
         </p:txBody>
       </p:sp>
@@ -5786,6 +6166,9 @@
   <p:clrMapOvr>
     <a:masterClrMapping/>
   </p:clrMapOvr>
+  <p:transition spd="med">
+    <p:pull/>
+  </p:transition>
 </p:sld>
 </file>
 
